--- a/ppts/gamma-functionality-activity-overview.pptx
+++ b/ppts/gamma-functionality-activity-overview.pptx
@@ -224,7 +224,7 @@
           <a:p>
             <a:fld id="{D320DF98-73A7-40A6-8A84-2EB5B4F2C4CC}" type="datetimeFigureOut">
               <a:rPr lang="hu-HU" smtClean="0"/>
-              <a:t>2021. 10. 20.</a:t>
+              <a:t>2021. 11. 14.</a:t>
             </a:fld>
             <a:endParaRPr lang="hu-HU"/>
           </a:p>
@@ -390,7 +390,7 @@
             <a:fld id="{B9130191-0BE1-0142-AFC1-0297AE024A0E}" type="datetimeFigureOut">
               <a:rPr lang="en-US" smtClean="0"/>
               <a:pPr/>
-              <a:t>10/20/2021</a:t>
+              <a:t>11/14/2021</a:t>
             </a:fld>
             <a:endParaRPr lang="en-US"/>
           </a:p>
@@ -6229,7 +6229,7 @@
           </a:solidFill>
           <a:ln w="19050">
             <a:solidFill>
-              <a:srgbClr val="FF0000"/>
+              <a:schemeClr val="tx1"/>
             </a:solidFill>
           </a:ln>
           <a:effectLst/>
@@ -6408,7 +6408,7 @@
           </a:solidFill>
           <a:ln w="19050">
             <a:solidFill>
-              <a:srgbClr val="FF0000"/>
+              <a:schemeClr val="tx1"/>
             </a:solidFill>
           </a:ln>
           <a:effectLst/>
@@ -7575,7 +7575,7 @@
         </p:nvSpPr>
         <p:spPr>
           <a:xfrm>
-            <a:off x="8931752" y="3296236"/>
+            <a:off x="8928713" y="3741419"/>
             <a:ext cx="2399265" cy="1355374"/>
           </a:xfrm>
           <a:prstGeom prst="roundRect">
@@ -7644,7 +7644,7 @@
         </p:nvSpPr>
         <p:spPr>
           <a:xfrm>
-            <a:off x="9310033" y="3593297"/>
+            <a:off x="9306994" y="4038480"/>
             <a:ext cx="801351" cy="305036"/>
           </a:xfrm>
           <a:prstGeom prst="roundRect">
@@ -7716,7 +7716,7 @@
         </p:nvSpPr>
         <p:spPr>
           <a:xfrm>
-            <a:off x="9310033" y="4080493"/>
+            <a:off x="9306994" y="4525676"/>
             <a:ext cx="801351" cy="305036"/>
           </a:xfrm>
           <a:prstGeom prst="roundRect">
@@ -7788,7 +7788,7 @@
         </p:nvSpPr>
         <p:spPr>
           <a:xfrm>
-            <a:off x="9173012" y="3541103"/>
+            <a:off x="9169973" y="3986286"/>
             <a:ext cx="1068273" cy="900000"/>
           </a:xfrm>
           <a:prstGeom prst="roundRect">
@@ -8137,7 +8137,7 @@
           </a:prstGeom>
           <a:ln w="19050">
             <a:solidFill>
-              <a:schemeClr val="tx1"/>
+              <a:srgbClr val="FF9900"/>
             </a:solidFill>
             <a:prstDash val="solid"/>
             <a:tailEnd type="triangle" w="lg" len="lg"/>
@@ -8186,7 +8186,7 @@
           </a:prstGeom>
           <a:ln w="19050">
             <a:solidFill>
-              <a:schemeClr val="tx1"/>
+              <a:srgbClr val="FF9900"/>
             </a:solidFill>
             <a:prstDash val="solid"/>
             <a:tailEnd type="triangle" w="lg" len="lg"/>
@@ -8225,12 +8225,12 @@
         </p:nvCxnSpPr>
         <p:spPr>
           <a:xfrm rot="5400000">
-            <a:off x="7212607" y="2947225"/>
-            <a:ext cx="1000665" cy="3988421"/>
+            <a:off x="7433678" y="3171336"/>
+            <a:ext cx="555482" cy="3985382"/>
           </a:xfrm>
           <a:prstGeom prst="bentConnector3">
             <a:avLst>
-              <a:gd name="adj1" fmla="val 72609"/>
+              <a:gd name="adj1" fmla="val 50000"/>
             </a:avLst>
           </a:prstGeom>
           <a:ln w="22225">
@@ -8276,12 +8276,12 @@
         </p:nvCxnSpPr>
         <p:spPr>
           <a:xfrm rot="5400000">
-            <a:off x="8618275" y="4350791"/>
-            <a:ext cx="998563" cy="1179186"/>
+            <a:off x="8839347" y="4574903"/>
+            <a:ext cx="553380" cy="1176147"/>
           </a:xfrm>
           <a:prstGeom prst="bentConnector3">
             <a:avLst>
-              <a:gd name="adj1" fmla="val 72657"/>
+              <a:gd name="adj1" fmla="val 50000"/>
             </a:avLst>
           </a:prstGeom>
           <a:ln w="22225">
@@ -8321,17 +8321,18 @@
           <p:cNvCxnSpPr>
             <a:cxnSpLocks/>
             <a:stCxn id="80" idx="3"/>
+            <a:endCxn id="7" idx="1"/>
           </p:cNvCxnSpPr>
           <p:nvPr/>
         </p:nvCxnSpPr>
         <p:spPr>
-          <a:xfrm flipV="1">
-            <a:off x="8675145" y="3966222"/>
-            <a:ext cx="523746" cy="0"/>
+          <a:xfrm>
+            <a:off x="8675145" y="3983818"/>
+            <a:ext cx="494828" cy="452468"/>
           </a:xfrm>
           <a:prstGeom prst="bentConnector3">
             <a:avLst>
-              <a:gd name="adj1" fmla="val 50000"/>
+              <a:gd name="adj1" fmla="val 24129"/>
             </a:avLst>
           </a:prstGeom>
           <a:ln w="22225">
@@ -8373,7 +8374,7 @@
         </p:nvSpPr>
         <p:spPr>
           <a:xfrm>
-            <a:off x="8931751" y="1721654"/>
+            <a:off x="8926778" y="2606339"/>
             <a:ext cx="2401200" cy="1044000"/>
           </a:xfrm>
           <a:prstGeom prst="roundRect">
@@ -8442,7 +8443,7 @@
         </p:nvSpPr>
         <p:spPr>
           <a:xfrm>
-            <a:off x="9131148" y="1905773"/>
+            <a:off x="9126175" y="2790458"/>
             <a:ext cx="1152000" cy="684000"/>
           </a:xfrm>
           <a:prstGeom prst="roundRect">
@@ -8517,8 +8518,8 @@
         </p:nvCxnSpPr>
         <p:spPr>
           <a:xfrm rot="16200000" flipH="1">
-            <a:off x="9231483" y="3065437"/>
-            <a:ext cx="951330" cy="1"/>
+            <a:off x="9447228" y="3729404"/>
+            <a:ext cx="511828" cy="1935"/>
           </a:xfrm>
           <a:prstGeom prst="bentConnector3">
             <a:avLst>
@@ -8552,10 +8553,10 @@
       </p:cxnSp>
       <p:sp>
         <p:nvSpPr>
-          <p:cNvPr id="263" name="Ellipszis 262">
+          <p:cNvPr id="74" name="Lekerekített téglalap 7">
             <a:extLst>
               <a:ext uri="{FF2B5EF4-FFF2-40B4-BE49-F238E27FC236}">
-                <a16:creationId xmlns:a16="http://schemas.microsoft.com/office/drawing/2014/main" id="{621A587B-E676-4230-95F5-0ACD519F15DF}"/>
+                <a16:creationId xmlns:a16="http://schemas.microsoft.com/office/drawing/2014/main" id="{BA2B2E29-9DED-475C-B83F-198688E36E1F}"/>
               </a:ext>
             </a:extLst>
           </p:cNvPr>
@@ -8564,14 +8565,87 @@
         </p:nvSpPr>
         <p:spPr>
           <a:xfrm>
-            <a:off x="7652703" y="2803476"/>
-            <a:ext cx="190800" cy="190800"/>
-          </a:xfrm>
-          <a:prstGeom prst="ellipse">
+            <a:off x="8877693" y="1458821"/>
+            <a:ext cx="2450285" cy="1044000"/>
+          </a:xfrm>
+          <a:prstGeom prst="roundRect">
             <a:avLst/>
           </a:prstGeom>
           <a:solidFill>
-            <a:schemeClr val="bg1"/>
+            <a:schemeClr val="bg1">
+              <a:lumMod val="85000"/>
+            </a:schemeClr>
+          </a:solidFill>
+          <a:ln w="19050">
+            <a:solidFill>
+              <a:srgbClr val="00B050"/>
+            </a:solidFill>
+          </a:ln>
+          <a:effectLst/>
+        </p:spPr>
+        <p:style>
+          <a:lnRef idx="2">
+            <a:schemeClr val="accent4">
+              <a:shade val="50000"/>
+            </a:schemeClr>
+          </a:lnRef>
+          <a:fillRef idx="1">
+            <a:schemeClr val="accent4"/>
+          </a:fillRef>
+          <a:effectRef idx="0">
+            <a:schemeClr val="accent4"/>
+          </a:effectRef>
+          <a:fontRef idx="minor">
+            <a:schemeClr val="lt1"/>
+          </a:fontRef>
+        </p:style>
+        <p:txBody>
+          <a:bodyPr rot="0" spcFirstLastPara="0" vertOverflow="overflow" horzOverflow="overflow" vert="vert" wrap="square" lIns="90000" tIns="0" rIns="90000" bIns="0" numCol="1" spcCol="0" rtlCol="0" fromWordArt="0" anchor="t" anchorCtr="0" forceAA="0" compatLnSpc="1">
+            <a:prstTxWarp prst="textNoShape">
+              <a:avLst/>
+            </a:prstTxWarp>
+            <a:noAutofit/>
+          </a:bodyPr>
+          <a:lstStyle/>
+          <a:p>
+            <a:pPr algn="ctr"/>
+            <a:r>
+              <a:rPr lang="en-US" sz="1700" dirty="0">
+                <a:solidFill>
+                  <a:srgbClr val="000000"/>
+                </a:solidFill>
+              </a:rPr>
+              <a:t>Gamma          Activity          Language</a:t>
+            </a:r>
+          </a:p>
+        </p:txBody>
+      </p:sp>
+      <p:sp>
+        <p:nvSpPr>
+          <p:cNvPr id="76" name="Lekerekített téglalap 36">
+            <a:extLst>
+              <a:ext uri="{FF2B5EF4-FFF2-40B4-BE49-F238E27FC236}">
+                <a16:creationId xmlns:a16="http://schemas.microsoft.com/office/drawing/2014/main" id="{B1E0BDA0-F2DA-4713-AB77-0B3223D4D0D2}"/>
+              </a:ext>
+            </a:extLst>
+          </p:cNvPr>
+          <p:cNvSpPr/>
+          <p:nvPr/>
+        </p:nvSpPr>
+        <p:spPr>
+          <a:xfrm>
+            <a:off x="9077091" y="1642940"/>
+            <a:ext cx="1152000" cy="684000"/>
+          </a:xfrm>
+          <a:prstGeom prst="roundRect">
+            <a:avLst>
+              <a:gd name="adj" fmla="val 0"/>
+            </a:avLst>
+          </a:prstGeom>
+          <a:solidFill>
+            <a:schemeClr val="bg2">
+              <a:lumMod val="65000"/>
+            </a:schemeClr>
           </a:solidFill>
           <a:ln w="19050">
             <a:solidFill>
@@ -8607,414 +8681,6 @@
           <a:p>
             <a:pPr algn="ctr"/>
             <a:r>
-              <a:rPr lang="en-US" sz="1450" b="1">
-                <a:solidFill>
-                  <a:srgbClr val="000000"/>
-                </a:solidFill>
-              </a:rPr>
-              <a:t>2</a:t>
-            </a:r>
-          </a:p>
-        </p:txBody>
-      </p:sp>
-      <p:sp>
-        <p:nvSpPr>
-          <p:cNvPr id="8" name="Ellipszis 7">
-            <a:extLst>
-              <a:ext uri="{FF2B5EF4-FFF2-40B4-BE49-F238E27FC236}">
-                <a16:creationId xmlns:a16="http://schemas.microsoft.com/office/drawing/2014/main" id="{B9A342B8-AB4D-402C-AC08-B19EFD63315F}"/>
-              </a:ext>
-            </a:extLst>
-          </p:cNvPr>
-          <p:cNvSpPr/>
-          <p:nvPr/>
-        </p:nvSpPr>
-        <p:spPr>
-          <a:xfrm>
-            <a:off x="7652703" y="1489078"/>
-            <a:ext cx="190800" cy="190800"/>
-          </a:xfrm>
-          <a:prstGeom prst="ellipse">
-            <a:avLst/>
-          </a:prstGeom>
-          <a:solidFill>
-            <a:schemeClr val="bg1"/>
-          </a:solidFill>
-          <a:ln w="19050">
-            <a:solidFill>
-              <a:schemeClr val="tx1"/>
-            </a:solidFill>
-          </a:ln>
-          <a:effectLst/>
-        </p:spPr>
-        <p:style>
-          <a:lnRef idx="2">
-            <a:schemeClr val="accent4">
-              <a:shade val="50000"/>
-            </a:schemeClr>
-          </a:lnRef>
-          <a:fillRef idx="1">
-            <a:schemeClr val="accent4"/>
-          </a:fillRef>
-          <a:effectRef idx="0">
-            <a:schemeClr val="accent4"/>
-          </a:effectRef>
-          <a:fontRef idx="minor">
-            <a:schemeClr val="lt1"/>
-          </a:fontRef>
-        </p:style>
-        <p:txBody>
-          <a:bodyPr rot="0" spcFirstLastPara="0" vertOverflow="overflow" horzOverflow="overflow" vert="horz" wrap="square" lIns="91440" tIns="45720" rIns="91440" bIns="45720" numCol="1" spcCol="0" rtlCol="0" fromWordArt="0" anchor="ctr" anchorCtr="0" forceAA="0" compatLnSpc="1">
-            <a:prstTxWarp prst="textNoShape">
-              <a:avLst/>
-            </a:prstTxWarp>
-            <a:noAutofit/>
-          </a:bodyPr>
-          <a:lstStyle/>
-          <a:p>
-            <a:pPr algn="ctr"/>
-            <a:r>
-              <a:rPr lang="en-US" sz="1450" b="1">
-                <a:solidFill>
-                  <a:srgbClr val="000000"/>
-                </a:solidFill>
-              </a:rPr>
-              <a:t>1</a:t>
-            </a:r>
-          </a:p>
-        </p:txBody>
-      </p:sp>
-      <p:sp>
-        <p:nvSpPr>
-          <p:cNvPr id="10" name="Ellipszis 9">
-            <a:extLst>
-              <a:ext uri="{FF2B5EF4-FFF2-40B4-BE49-F238E27FC236}">
-                <a16:creationId xmlns:a16="http://schemas.microsoft.com/office/drawing/2014/main" id="{578288CB-903F-442E-898F-916AC4896363}"/>
-              </a:ext>
-            </a:extLst>
-          </p:cNvPr>
-          <p:cNvSpPr/>
-          <p:nvPr/>
-        </p:nvSpPr>
-        <p:spPr>
-          <a:xfrm>
-            <a:off x="8327698" y="3182461"/>
-            <a:ext cx="190800" cy="190800"/>
-          </a:xfrm>
-          <a:prstGeom prst="ellipse">
-            <a:avLst/>
-          </a:prstGeom>
-          <a:solidFill>
-            <a:schemeClr val="bg1"/>
-          </a:solidFill>
-          <a:ln w="19050">
-            <a:solidFill>
-              <a:schemeClr val="tx1"/>
-            </a:solidFill>
-          </a:ln>
-          <a:effectLst/>
-        </p:spPr>
-        <p:style>
-          <a:lnRef idx="2">
-            <a:schemeClr val="accent4">
-              <a:shade val="50000"/>
-            </a:schemeClr>
-          </a:lnRef>
-          <a:fillRef idx="1">
-            <a:schemeClr val="accent4"/>
-          </a:fillRef>
-          <a:effectRef idx="0">
-            <a:schemeClr val="accent4"/>
-          </a:effectRef>
-          <a:fontRef idx="minor">
-            <a:schemeClr val="lt1"/>
-          </a:fontRef>
-        </p:style>
-        <p:txBody>
-          <a:bodyPr rot="0" spcFirstLastPara="0" vertOverflow="overflow" horzOverflow="overflow" vert="horz" wrap="square" lIns="91440" tIns="45720" rIns="91440" bIns="45720" numCol="1" spcCol="0" rtlCol="0" fromWordArt="0" anchor="ctr" anchorCtr="0" forceAA="0" compatLnSpc="1">
-            <a:prstTxWarp prst="textNoShape">
-              <a:avLst/>
-            </a:prstTxWarp>
-            <a:noAutofit/>
-          </a:bodyPr>
-          <a:lstStyle/>
-          <a:p>
-            <a:pPr algn="ctr"/>
-            <a:r>
-              <a:rPr lang="en-US" sz="1450" b="1">
-                <a:solidFill>
-                  <a:srgbClr val="000000"/>
-                </a:solidFill>
-              </a:rPr>
-              <a:t>3</a:t>
-            </a:r>
-          </a:p>
-        </p:txBody>
-      </p:sp>
-      <p:sp>
-        <p:nvSpPr>
-          <p:cNvPr id="17" name="Ellipszis 16">
-            <a:extLst>
-              <a:ext uri="{FF2B5EF4-FFF2-40B4-BE49-F238E27FC236}">
-                <a16:creationId xmlns:a16="http://schemas.microsoft.com/office/drawing/2014/main" id="{7AE34269-FB95-4D6E-85BD-B0786ED1FCED}"/>
-              </a:ext>
-            </a:extLst>
-          </p:cNvPr>
-          <p:cNvSpPr/>
-          <p:nvPr/>
-        </p:nvSpPr>
-        <p:spPr>
-          <a:xfrm>
-            <a:off x="3253739" y="6479368"/>
-            <a:ext cx="190800" cy="190800"/>
-          </a:xfrm>
-          <a:prstGeom prst="ellipse">
-            <a:avLst/>
-          </a:prstGeom>
-          <a:solidFill>
-            <a:schemeClr val="bg1"/>
-          </a:solidFill>
-          <a:ln w="19050">
-            <a:solidFill>
-              <a:schemeClr val="tx1"/>
-            </a:solidFill>
-          </a:ln>
-          <a:effectLst/>
-        </p:spPr>
-        <p:style>
-          <a:lnRef idx="2">
-            <a:schemeClr val="accent4">
-              <a:shade val="50000"/>
-            </a:schemeClr>
-          </a:lnRef>
-          <a:fillRef idx="1">
-            <a:schemeClr val="accent4"/>
-          </a:fillRef>
-          <a:effectRef idx="0">
-            <a:schemeClr val="accent4"/>
-          </a:effectRef>
-          <a:fontRef idx="minor">
-            <a:schemeClr val="lt1"/>
-          </a:fontRef>
-        </p:style>
-        <p:txBody>
-          <a:bodyPr rot="0" spcFirstLastPara="0" vertOverflow="overflow" horzOverflow="overflow" vert="horz" wrap="square" lIns="91440" tIns="45720" rIns="91440" bIns="45720" numCol="1" spcCol="0" rtlCol="0" fromWordArt="0" anchor="ctr" anchorCtr="0" forceAA="0" compatLnSpc="1">
-            <a:prstTxWarp prst="textNoShape">
-              <a:avLst/>
-            </a:prstTxWarp>
-            <a:noAutofit/>
-          </a:bodyPr>
-          <a:lstStyle/>
-          <a:p>
-            <a:pPr algn="ctr"/>
-            <a:r>
-              <a:rPr lang="en-US" sz="1450" b="1">
-                <a:solidFill>
-                  <a:srgbClr val="000000"/>
-                </a:solidFill>
-              </a:rPr>
-              <a:t>4</a:t>
-            </a:r>
-          </a:p>
-        </p:txBody>
-      </p:sp>
-      <p:sp>
-        <p:nvSpPr>
-          <p:cNvPr id="18" name="Ellipszis 17">
-            <a:extLst>
-              <a:ext uri="{FF2B5EF4-FFF2-40B4-BE49-F238E27FC236}">
-                <a16:creationId xmlns:a16="http://schemas.microsoft.com/office/drawing/2014/main" id="{FD828AA3-0079-4AFD-BDE5-3713F58C4E60}"/>
-              </a:ext>
-            </a:extLst>
-          </p:cNvPr>
-          <p:cNvSpPr/>
-          <p:nvPr/>
-        </p:nvSpPr>
-        <p:spPr>
-          <a:xfrm>
-            <a:off x="1323468" y="5010737"/>
-            <a:ext cx="190800" cy="190800"/>
-          </a:xfrm>
-          <a:prstGeom prst="ellipse">
-            <a:avLst/>
-          </a:prstGeom>
-          <a:solidFill>
-            <a:schemeClr val="bg1"/>
-          </a:solidFill>
-          <a:ln w="19050">
-            <a:solidFill>
-              <a:schemeClr val="tx1"/>
-            </a:solidFill>
-          </a:ln>
-          <a:effectLst/>
-        </p:spPr>
-        <p:style>
-          <a:lnRef idx="2">
-            <a:schemeClr val="accent4">
-              <a:shade val="50000"/>
-            </a:schemeClr>
-          </a:lnRef>
-          <a:fillRef idx="1">
-            <a:schemeClr val="accent4"/>
-          </a:fillRef>
-          <a:effectRef idx="0">
-            <a:schemeClr val="accent4"/>
-          </a:effectRef>
-          <a:fontRef idx="minor">
-            <a:schemeClr val="lt1"/>
-          </a:fontRef>
-        </p:style>
-        <p:txBody>
-          <a:bodyPr rot="0" spcFirstLastPara="0" vertOverflow="overflow" horzOverflow="overflow" vert="horz" wrap="square" lIns="91440" tIns="45720" rIns="91440" bIns="45720" numCol="1" spcCol="0" rtlCol="0" fromWordArt="0" anchor="ctr" anchorCtr="0" forceAA="0" compatLnSpc="1">
-            <a:prstTxWarp prst="textNoShape">
-              <a:avLst/>
-            </a:prstTxWarp>
-            <a:noAutofit/>
-          </a:bodyPr>
-          <a:lstStyle/>
-          <a:p>
-            <a:pPr algn="ctr"/>
-            <a:r>
-              <a:rPr lang="en-US" sz="1450" b="1">
-                <a:solidFill>
-                  <a:srgbClr val="000000"/>
-                </a:solidFill>
-              </a:rPr>
-              <a:t>5</a:t>
-            </a:r>
-          </a:p>
-        </p:txBody>
-      </p:sp>
-      <p:sp>
-        <p:nvSpPr>
-          <p:cNvPr id="74" name="Lekerekített téglalap 7">
-            <a:extLst>
-              <a:ext uri="{FF2B5EF4-FFF2-40B4-BE49-F238E27FC236}">
-                <a16:creationId xmlns:a16="http://schemas.microsoft.com/office/drawing/2014/main" id="{BA2B2E29-9DED-475C-B83F-198688E36E1F}"/>
-              </a:ext>
-            </a:extLst>
-          </p:cNvPr>
-          <p:cNvSpPr/>
-          <p:nvPr/>
-        </p:nvSpPr>
-        <p:spPr>
-          <a:xfrm>
-            <a:off x="8931751" y="244385"/>
-            <a:ext cx="2401200" cy="1044000"/>
-          </a:xfrm>
-          <a:prstGeom prst="roundRect">
-            <a:avLst/>
-          </a:prstGeom>
-          <a:solidFill>
-            <a:schemeClr val="bg1">
-              <a:lumMod val="85000"/>
-            </a:schemeClr>
-          </a:solidFill>
-          <a:ln w="19050">
-            <a:solidFill>
-              <a:srgbClr val="00B050"/>
-            </a:solidFill>
-          </a:ln>
-          <a:effectLst/>
-        </p:spPr>
-        <p:style>
-          <a:lnRef idx="2">
-            <a:schemeClr val="accent4">
-              <a:shade val="50000"/>
-            </a:schemeClr>
-          </a:lnRef>
-          <a:fillRef idx="1">
-            <a:schemeClr val="accent4"/>
-          </a:fillRef>
-          <a:effectRef idx="0">
-            <a:schemeClr val="accent4"/>
-          </a:effectRef>
-          <a:fontRef idx="minor">
-            <a:schemeClr val="lt1"/>
-          </a:fontRef>
-        </p:style>
-        <p:txBody>
-          <a:bodyPr rot="0" spcFirstLastPara="0" vertOverflow="overflow" horzOverflow="overflow" vert="vert" wrap="square" lIns="90000" tIns="0" rIns="90000" bIns="0" numCol="1" spcCol="0" rtlCol="0" fromWordArt="0" anchor="t" anchorCtr="0" forceAA="0" compatLnSpc="1">
-            <a:prstTxWarp prst="textNoShape">
-              <a:avLst/>
-            </a:prstTxWarp>
-            <a:noAutofit/>
-          </a:bodyPr>
-          <a:lstStyle/>
-          <a:p>
-            <a:pPr algn="ctr"/>
-            <a:r>
-              <a:rPr lang="en-US" sz="1700" dirty="0">
-                <a:solidFill>
-                  <a:srgbClr val="000000"/>
-                </a:solidFill>
-              </a:rPr>
-              <a:t>Gamma          Activity          Language</a:t>
-            </a:r>
-          </a:p>
-        </p:txBody>
-      </p:sp>
-      <p:sp>
-        <p:nvSpPr>
-          <p:cNvPr id="76" name="Lekerekített téglalap 36">
-            <a:extLst>
-              <a:ext uri="{FF2B5EF4-FFF2-40B4-BE49-F238E27FC236}">
-                <a16:creationId xmlns:a16="http://schemas.microsoft.com/office/drawing/2014/main" id="{B1E0BDA0-F2DA-4713-AB77-0B3223D4D0D2}"/>
-              </a:ext>
-            </a:extLst>
-          </p:cNvPr>
-          <p:cNvSpPr/>
-          <p:nvPr/>
-        </p:nvSpPr>
-        <p:spPr>
-          <a:xfrm>
-            <a:off x="9131148" y="428504"/>
-            <a:ext cx="1152000" cy="684000"/>
-          </a:xfrm>
-          <a:prstGeom prst="roundRect">
-            <a:avLst>
-              <a:gd name="adj" fmla="val 0"/>
-            </a:avLst>
-          </a:prstGeom>
-          <a:solidFill>
-            <a:schemeClr val="bg2">
-              <a:lumMod val="65000"/>
-            </a:schemeClr>
-          </a:solidFill>
-          <a:ln w="19050">
-            <a:solidFill>
-              <a:schemeClr val="tx1"/>
-            </a:solidFill>
-          </a:ln>
-          <a:effectLst/>
-        </p:spPr>
-        <p:style>
-          <a:lnRef idx="2">
-            <a:schemeClr val="accent4">
-              <a:shade val="50000"/>
-            </a:schemeClr>
-          </a:lnRef>
-          <a:fillRef idx="1">
-            <a:schemeClr val="accent4"/>
-          </a:fillRef>
-          <a:effectRef idx="0">
-            <a:schemeClr val="accent4"/>
-          </a:effectRef>
-          <a:fontRef idx="minor">
-            <a:schemeClr val="lt1"/>
-          </a:fontRef>
-        </p:style>
-        <p:txBody>
-          <a:bodyPr rot="0" spcFirstLastPara="0" vertOverflow="overflow" horzOverflow="overflow" vert="horz" wrap="square" lIns="91440" tIns="45720" rIns="91440" bIns="45720" numCol="1" spcCol="0" rtlCol="0" fromWordArt="0" anchor="ctr" anchorCtr="0" forceAA="0" compatLnSpc="1">
-            <a:prstTxWarp prst="textNoShape">
-              <a:avLst/>
-            </a:prstTxWarp>
-            <a:noAutofit/>
-          </a:bodyPr>
-          <a:lstStyle/>
-          <a:p>
-            <a:pPr algn="ctr"/>
-            <a:r>
               <a:rPr lang="en-US" sz="2000" dirty="0">
                 <a:solidFill>
                   <a:schemeClr val="tx1"/>
@@ -9036,17 +8702,19 @@
           </p:cNvPr>
           <p:cNvCxnSpPr>
             <a:cxnSpLocks/>
-            <a:stCxn id="76" idx="2"/>
+            <a:stCxn id="76" idx="1"/>
           </p:cNvCxnSpPr>
           <p:nvPr/>
         </p:nvCxnSpPr>
         <p:spPr>
-          <a:xfrm rot="5400000">
-            <a:off x="8210175" y="81799"/>
-            <a:ext cx="466268" cy="2527679"/>
-          </a:xfrm>
-          <a:prstGeom prst="bentConnector2">
-            <a:avLst/>
+          <a:xfrm rot="10800000">
+            <a:off x="8423091" y="1571626"/>
+            <a:ext cx="654001" cy="413314"/>
+          </a:xfrm>
+          <a:prstGeom prst="bentConnector3">
+            <a:avLst>
+              <a:gd name="adj1" fmla="val 45806"/>
+            </a:avLst>
           </a:prstGeom>
           <a:ln w="19050">
             <a:solidFill>
@@ -9086,13 +8754,13 @@
           <p:nvPr/>
         </p:nvCxnSpPr>
         <p:spPr>
-          <a:xfrm rot="5400000">
-            <a:off x="7027212" y="1732463"/>
-            <a:ext cx="322620" cy="951"/>
+          <a:xfrm rot="10800000" flipV="1">
+            <a:off x="7188048" y="1570101"/>
+            <a:ext cx="1235043" cy="324148"/>
           </a:xfrm>
           <a:prstGeom prst="bentConnector3">
             <a:avLst>
-              <a:gd name="adj1" fmla="val 50000"/>
+              <a:gd name="adj1" fmla="val 100346"/>
             </a:avLst>
           </a:prstGeom>
           <a:ln w="19050">
@@ -9118,6 +8786,191 @@
           </a:fontRef>
         </p:style>
       </p:cxnSp>
+      <p:sp>
+        <p:nvSpPr>
+          <p:cNvPr id="78" name="Lekerekített téglalap 38">
+            <a:extLst>
+              <a:ext uri="{FF2B5EF4-FFF2-40B4-BE49-F238E27FC236}">
+                <a16:creationId xmlns:a16="http://schemas.microsoft.com/office/drawing/2014/main" id="{DFF21F1F-AD0A-49FF-B0BB-41A00FE36119}"/>
+              </a:ext>
+            </a:extLst>
+          </p:cNvPr>
+          <p:cNvSpPr/>
+          <p:nvPr/>
+        </p:nvSpPr>
+        <p:spPr>
+          <a:xfrm>
+            <a:off x="8926778" y="-155449"/>
+            <a:ext cx="2352116" cy="1396235"/>
+          </a:xfrm>
+          <a:prstGeom prst="roundRect">
+            <a:avLst/>
+          </a:prstGeom>
+          <a:solidFill>
+            <a:schemeClr val="bg1"/>
+          </a:solidFill>
+          <a:ln w="19050">
+            <a:solidFill>
+              <a:schemeClr val="tx1"/>
+            </a:solidFill>
+          </a:ln>
+          <a:effectLst/>
+        </p:spPr>
+        <p:style>
+          <a:lnRef idx="2">
+            <a:schemeClr val="accent4">
+              <a:shade val="50000"/>
+            </a:schemeClr>
+          </a:lnRef>
+          <a:fillRef idx="1">
+            <a:schemeClr val="accent4"/>
+          </a:fillRef>
+          <a:effectRef idx="0">
+            <a:schemeClr val="accent4"/>
+          </a:effectRef>
+          <a:fontRef idx="minor">
+            <a:schemeClr val="lt1"/>
+          </a:fontRef>
+        </p:style>
+        <p:txBody>
+          <a:bodyPr rot="0" spcFirstLastPara="0" vertOverflow="overflow" horzOverflow="overflow" vert="vert" wrap="square" lIns="91440" tIns="45720" rIns="91440" bIns="45720" numCol="1" spcCol="0" rtlCol="0" fromWordArt="0" anchor="t" anchorCtr="0" forceAA="0" compatLnSpc="1">
+            <a:prstTxWarp prst="textNoShape">
+              <a:avLst/>
+            </a:prstTxWarp>
+            <a:noAutofit/>
+          </a:bodyPr>
+          <a:lstStyle/>
+          <a:p>
+            <a:pPr algn="ctr"/>
+            <a:endParaRPr lang="en-US" sz="1900">
+              <a:solidFill>
+                <a:srgbClr val="000000"/>
+              </a:solidFill>
+            </a:endParaRPr>
+          </a:p>
+        </p:txBody>
+      </p:sp>
+      <p:sp>
+        <p:nvSpPr>
+          <p:cNvPr id="79" name="Szövegdoboz 41">
+            <a:extLst>
+              <a:ext uri="{FF2B5EF4-FFF2-40B4-BE49-F238E27FC236}">
+                <a16:creationId xmlns:a16="http://schemas.microsoft.com/office/drawing/2014/main" id="{95FF81FA-85D1-48D3-B412-CFFF8DED4DAF}"/>
+              </a:ext>
+            </a:extLst>
+          </p:cNvPr>
+          <p:cNvSpPr txBox="1"/>
+          <p:nvPr/>
+        </p:nvSpPr>
+        <p:spPr>
+          <a:xfrm>
+            <a:off x="8916101" y="-175121"/>
+            <a:ext cx="2344473" cy="615553"/>
+          </a:xfrm>
+          <a:prstGeom prst="rect">
+            <a:avLst/>
+          </a:prstGeom>
+          <a:noFill/>
+        </p:spPr>
+        <p:txBody>
+          <a:bodyPr wrap="square" rtlCol="0">
+            <a:spAutoFit/>
+          </a:bodyPr>
+          <a:lstStyle/>
+          <a:p>
+            <a:pPr algn="ctr"/>
+            <a:r>
+              <a:rPr lang="en-US" sz="1700" dirty="0"/>
+              <a:t>Activity language</a:t>
+            </a:r>
+            <a:br>
+              <a:rPr lang="en-US" sz="1700" dirty="0"/>
+            </a:br>
+            <a:r>
+              <a:rPr lang="en-US" sz="1700" dirty="0"/>
+              <a:t>(frontend)</a:t>
+            </a:r>
+          </a:p>
+        </p:txBody>
+      </p:sp>
+      <p:sp>
+        <p:nvSpPr>
+          <p:cNvPr id="81" name="Lekerekített téglalap 33">
+            <a:extLst>
+              <a:ext uri="{FF2B5EF4-FFF2-40B4-BE49-F238E27FC236}">
+                <a16:creationId xmlns:a16="http://schemas.microsoft.com/office/drawing/2014/main" id="{731ED6E4-FD39-4C49-AC8E-84F20DBE7CFC}"/>
+              </a:ext>
+            </a:extLst>
+          </p:cNvPr>
+          <p:cNvSpPr/>
+          <p:nvPr/>
+        </p:nvSpPr>
+        <p:spPr>
+          <a:xfrm>
+            <a:off x="9078836" y="452907"/>
+            <a:ext cx="2058555" cy="661552"/>
+          </a:xfrm>
+          <a:prstGeom prst="roundRect">
+            <a:avLst>
+              <a:gd name="adj" fmla="val 0"/>
+            </a:avLst>
+          </a:prstGeom>
+          <a:solidFill>
+            <a:schemeClr val="accent5">
+              <a:lumMod val="20000"/>
+              <a:lumOff val="80000"/>
+            </a:schemeClr>
+          </a:solidFill>
+          <a:ln w="19050">
+            <a:solidFill>
+              <a:schemeClr val="tx1"/>
+            </a:solidFill>
+          </a:ln>
+          <a:effectLst/>
+        </p:spPr>
+        <p:style>
+          <a:lnRef idx="2">
+            <a:schemeClr val="accent4">
+              <a:shade val="50000"/>
+            </a:schemeClr>
+          </a:lnRef>
+          <a:fillRef idx="1">
+            <a:schemeClr val="accent4"/>
+          </a:fillRef>
+          <a:effectRef idx="0">
+            <a:schemeClr val="accent4"/>
+          </a:effectRef>
+          <a:fontRef idx="minor">
+            <a:schemeClr val="lt1"/>
+          </a:fontRef>
+        </p:style>
+        <p:txBody>
+          <a:bodyPr rot="0" spcFirstLastPara="0" vertOverflow="overflow" horzOverflow="overflow" vert="horz" wrap="square" lIns="91440" tIns="45720" rIns="91440" bIns="45720" numCol="1" spcCol="0" rtlCol="0" fromWordArt="0" anchor="ctr" anchorCtr="0" forceAA="0" compatLnSpc="1">
+            <a:prstTxWarp prst="textNoShape">
+              <a:avLst/>
+            </a:prstTxWarp>
+            <a:noAutofit/>
+          </a:bodyPr>
+          <a:lstStyle/>
+          <a:p>
+            <a:pPr algn="ctr"/>
+            <a:r>
+              <a:rPr lang="en-GB" sz="1800" dirty="0">
+                <a:solidFill>
+                  <a:srgbClr val="000000"/>
+                </a:solidFill>
+                <a:latin typeface="Segoe UI" panose="020B0502040204020203" pitchFamily="34" charset="0"/>
+              </a:rPr>
+              <a:t>Engineering Activity</a:t>
+            </a:r>
+            <a:endParaRPr lang="en-US" sz="2000" dirty="0">
+              <a:solidFill>
+                <a:schemeClr val="tx1"/>
+              </a:solidFill>
+            </a:endParaRPr>
+          </a:p>
+        </p:txBody>
+      </p:sp>
       <p:cxnSp>
         <p:nvCxnSpPr>
           <p:cNvPr id="90" name="Szögletes összekötő 46">
@@ -9129,15 +8982,15 @@
           </p:cNvPr>
           <p:cNvCxnSpPr>
             <a:cxnSpLocks/>
-            <a:stCxn id="13" idx="3"/>
-            <a:endCxn id="76" idx="1"/>
+            <a:stCxn id="81" idx="2"/>
+            <a:endCxn id="76" idx="0"/>
           </p:cNvCxnSpPr>
           <p:nvPr/>
         </p:nvCxnSpPr>
         <p:spPr>
-          <a:xfrm flipV="1">
-            <a:off x="7530453" y="770504"/>
-            <a:ext cx="1600695" cy="221811"/>
+          <a:xfrm rot="5400000">
+            <a:off x="9616363" y="1151188"/>
+            <a:ext cx="528481" cy="455023"/>
           </a:xfrm>
           <a:prstGeom prst="bentConnector3">
             <a:avLst>
